--- a/Slides/Module 6 - Introduction to Bootstrap.pptx
+++ b/Slides/Module 6 - Introduction to Bootstrap.pptx
@@ -5,10 +5,10 @@
     <p:sldMasterId id="2147483660" r:id="rId4"/>
   </p:sldMasterIdLst>
   <p:notesMasterIdLst>
-    <p:notesMasterId r:id="rId31"/>
+    <p:notesMasterId r:id="rId36"/>
   </p:notesMasterIdLst>
   <p:handoutMasterIdLst>
-    <p:handoutMasterId r:id="rId32"/>
+    <p:handoutMasterId r:id="rId37"/>
   </p:handoutMasterIdLst>
   <p:sldIdLst>
     <p:sldId id="283" r:id="rId5"/>
@@ -36,7 +36,12 @@
     <p:sldId id="323" r:id="rId27"/>
     <p:sldId id="324" r:id="rId28"/>
     <p:sldId id="328" r:id="rId29"/>
-    <p:sldId id="292" r:id="rId30"/>
+    <p:sldId id="329" r:id="rId30"/>
+    <p:sldId id="330" r:id="rId31"/>
+    <p:sldId id="331" r:id="rId32"/>
+    <p:sldId id="332" r:id="rId33"/>
+    <p:sldId id="333" r:id="rId34"/>
+    <p:sldId id="292" r:id="rId35"/>
   </p:sldIdLst>
   <p:sldSz cx="12192000" cy="6858000"/>
   <p:notesSz cx="6858000" cy="9144000"/>
@@ -228,7 +233,7 @@
           <a:p>
             <a:fld id="{312E7B4A-039C-48A2-9B2C-AF16AA3873D8}" type="datetimeFigureOut">
               <a:rPr lang="en-US" smtClean="0"/>
-              <a:t>2/6/2015</a:t>
+              <a:t>3/1/2015</a:t>
             </a:fld>
             <a:endParaRPr lang="en-US"/>
           </a:p>
@@ -393,7 +398,7 @@
           <a:p>
             <a:fld id="{DA005A0C-54D9-45AA-87D4-C551D08DFCE1}" type="datetimeFigureOut">
               <a:rPr lang="en-US" smtClean="0"/>
-              <a:t>2/6/2015</a:t>
+              <a:t>3/1/2015</a:t>
             </a:fld>
             <a:endParaRPr lang="en-US"/>
           </a:p>
@@ -3930,7 +3935,11 @@
             <a:pPr marL="914400" indent="-914400"/>
             <a:r>
               <a:rPr lang="en-US" dirty="0" smtClean="0"/>
-              <a:t>XX | Introduction to Bootstrap</a:t>
+              <a:t>06 </a:t>
+            </a:r>
+            <a:r>
+              <a:rPr lang="en-US" dirty="0" smtClean="0"/>
+              <a:t>| Introduction to Bootstrap</a:t>
             </a:r>
             <a:endParaRPr lang="en-US" dirty="0"/>
           </a:p>
@@ -6241,24 +6250,17 @@
         <p:spPr/>
         <p:txBody>
           <a:bodyPr>
-            <a:normAutofit fontScale="90000"/>
+            <a:normAutofit/>
           </a:bodyPr>
           <a:lstStyle/>
           <a:p>
             <a:r>
               <a:rPr lang="en-US" dirty="0" smtClean="0"/>
-              <a:t>What about containers?</a:t>
-            </a:r>
-            <a:br>
-              <a:rPr lang="en-US" dirty="0" smtClean="0"/>
-            </a:br>
-            <a:r>
-              <a:rPr lang="en-US" dirty="0" smtClean="0">
-                <a:solidFill>
-                  <a:srgbClr val="FF0000"/>
-                </a:solidFill>
-              </a:rPr>
-              <a:t>Update:: Add table to represent columns</a:t>
+              <a:t>What about containers</a:t>
+            </a:r>
+            <a:r>
+              <a:rPr lang="en-US" dirty="0" smtClean="0"/>
+              <a:t>?</a:t>
             </a:r>
             <a:endParaRPr lang="en-US" dirty="0">
               <a:solidFill>
@@ -6403,6 +6405,1024 @@
           </a:p>
         </p:txBody>
       </p:sp>
+      <p:graphicFrame>
+        <p:nvGraphicFramePr>
+          <p:cNvPr id="6" name="Table 5"/>
+          <p:cNvGraphicFramePr>
+            <a:graphicFrameLocks noGrp="1"/>
+          </p:cNvGraphicFramePr>
+          <p:nvPr>
+            <p:extLst>
+              <p:ext uri="{D42A27DB-BD31-4B8C-83A1-F6EECF244321}">
+                <p14:modId xmlns:p14="http://schemas.microsoft.com/office/powerpoint/2010/main" val="2980443559"/>
+              </p:ext>
+            </p:extLst>
+          </p:nvPr>
+        </p:nvGraphicFramePr>
+        <p:xfrm>
+          <a:off x="3686175" y="3381371"/>
+          <a:ext cx="5057773" cy="3209928"/>
+        </p:xfrm>
+        <a:graphic>
+          <a:graphicData uri="http://schemas.openxmlformats.org/drawingml/2006/table">
+            <a:tbl>
+              <a:tblPr firstRow="1" bandRow="1">
+                <a:tableStyleId>{16D9F66E-5EB9-4882-86FB-DCBF35E3C3E4}</a:tableStyleId>
+              </a:tblPr>
+              <a:tblGrid>
+                <a:gridCol w="416223"/>
+                <a:gridCol w="416223"/>
+                <a:gridCol w="416223"/>
+                <a:gridCol w="416223"/>
+                <a:gridCol w="416223"/>
+                <a:gridCol w="416223"/>
+                <a:gridCol w="416223"/>
+                <a:gridCol w="416223"/>
+                <a:gridCol w="416223"/>
+                <a:gridCol w="416223"/>
+                <a:gridCol w="416223"/>
+                <a:gridCol w="479320"/>
+              </a:tblGrid>
+              <a:tr h="401241">
+                <a:tc>
+                  <a:txBody>
+                    <a:bodyPr/>
+                    <a:lstStyle/>
+                    <a:p>
+                      <a:endParaRPr lang="en-US" dirty="0"/>
+                    </a:p>
+                  </a:txBody>
+                  <a:tcPr/>
+                </a:tc>
+                <a:tc>
+                  <a:txBody>
+                    <a:bodyPr/>
+                    <a:lstStyle/>
+                    <a:p>
+                      <a:endParaRPr lang="en-US"/>
+                    </a:p>
+                  </a:txBody>
+                  <a:tcPr/>
+                </a:tc>
+                <a:tc>
+                  <a:txBody>
+                    <a:bodyPr/>
+                    <a:lstStyle/>
+                    <a:p>
+                      <a:endParaRPr lang="en-US"/>
+                    </a:p>
+                  </a:txBody>
+                  <a:tcPr/>
+                </a:tc>
+                <a:tc>
+                  <a:txBody>
+                    <a:bodyPr/>
+                    <a:lstStyle/>
+                    <a:p>
+                      <a:endParaRPr lang="en-US"/>
+                    </a:p>
+                  </a:txBody>
+                  <a:tcPr/>
+                </a:tc>
+                <a:tc>
+                  <a:txBody>
+                    <a:bodyPr/>
+                    <a:lstStyle/>
+                    <a:p>
+                      <a:endParaRPr lang="en-US"/>
+                    </a:p>
+                  </a:txBody>
+                  <a:tcPr/>
+                </a:tc>
+                <a:tc>
+                  <a:txBody>
+                    <a:bodyPr/>
+                    <a:lstStyle/>
+                    <a:p>
+                      <a:endParaRPr lang="en-US"/>
+                    </a:p>
+                  </a:txBody>
+                  <a:tcPr/>
+                </a:tc>
+                <a:tc>
+                  <a:txBody>
+                    <a:bodyPr/>
+                    <a:lstStyle/>
+                    <a:p>
+                      <a:endParaRPr lang="en-US" dirty="0"/>
+                    </a:p>
+                  </a:txBody>
+                  <a:tcPr/>
+                </a:tc>
+                <a:tc>
+                  <a:txBody>
+                    <a:bodyPr/>
+                    <a:lstStyle/>
+                    <a:p>
+                      <a:endParaRPr lang="en-US"/>
+                    </a:p>
+                  </a:txBody>
+                  <a:tcPr/>
+                </a:tc>
+                <a:tc>
+                  <a:txBody>
+                    <a:bodyPr/>
+                    <a:lstStyle/>
+                    <a:p>
+                      <a:endParaRPr lang="en-US" dirty="0"/>
+                    </a:p>
+                  </a:txBody>
+                  <a:tcPr/>
+                </a:tc>
+                <a:tc>
+                  <a:txBody>
+                    <a:bodyPr/>
+                    <a:lstStyle/>
+                    <a:p>
+                      <a:endParaRPr lang="en-US" dirty="0"/>
+                    </a:p>
+                  </a:txBody>
+                  <a:tcPr/>
+                </a:tc>
+                <a:tc>
+                  <a:txBody>
+                    <a:bodyPr/>
+                    <a:lstStyle/>
+                    <a:p>
+                      <a:endParaRPr lang="en-US" dirty="0"/>
+                    </a:p>
+                  </a:txBody>
+                  <a:tcPr/>
+                </a:tc>
+                <a:tc>
+                  <a:txBody>
+                    <a:bodyPr/>
+                    <a:lstStyle/>
+                    <a:p>
+                      <a:endParaRPr lang="en-US" dirty="0"/>
+                    </a:p>
+                  </a:txBody>
+                  <a:tcPr/>
+                </a:tc>
+              </a:tr>
+              <a:tr h="401241">
+                <a:tc>
+                  <a:txBody>
+                    <a:bodyPr/>
+                    <a:lstStyle/>
+                    <a:p>
+                      <a:endParaRPr lang="en-US" dirty="0"/>
+                    </a:p>
+                  </a:txBody>
+                  <a:tcPr/>
+                </a:tc>
+                <a:tc>
+                  <a:txBody>
+                    <a:bodyPr/>
+                    <a:lstStyle/>
+                    <a:p>
+                      <a:endParaRPr lang="en-US"/>
+                    </a:p>
+                  </a:txBody>
+                  <a:tcPr/>
+                </a:tc>
+                <a:tc>
+                  <a:txBody>
+                    <a:bodyPr/>
+                    <a:lstStyle/>
+                    <a:p>
+                      <a:endParaRPr lang="en-US"/>
+                    </a:p>
+                  </a:txBody>
+                  <a:tcPr/>
+                </a:tc>
+                <a:tc>
+                  <a:txBody>
+                    <a:bodyPr/>
+                    <a:lstStyle/>
+                    <a:p>
+                      <a:endParaRPr lang="en-US"/>
+                    </a:p>
+                  </a:txBody>
+                  <a:tcPr/>
+                </a:tc>
+                <a:tc>
+                  <a:txBody>
+                    <a:bodyPr/>
+                    <a:lstStyle/>
+                    <a:p>
+                      <a:endParaRPr lang="en-US"/>
+                    </a:p>
+                  </a:txBody>
+                  <a:tcPr/>
+                </a:tc>
+                <a:tc>
+                  <a:txBody>
+                    <a:bodyPr/>
+                    <a:lstStyle/>
+                    <a:p>
+                      <a:endParaRPr lang="en-US"/>
+                    </a:p>
+                  </a:txBody>
+                  <a:tcPr/>
+                </a:tc>
+                <a:tc>
+                  <a:txBody>
+                    <a:bodyPr/>
+                    <a:lstStyle/>
+                    <a:p>
+                      <a:endParaRPr lang="en-US" dirty="0"/>
+                    </a:p>
+                  </a:txBody>
+                  <a:tcPr/>
+                </a:tc>
+                <a:tc>
+                  <a:txBody>
+                    <a:bodyPr/>
+                    <a:lstStyle/>
+                    <a:p>
+                      <a:endParaRPr lang="en-US"/>
+                    </a:p>
+                  </a:txBody>
+                  <a:tcPr/>
+                </a:tc>
+                <a:tc>
+                  <a:txBody>
+                    <a:bodyPr/>
+                    <a:lstStyle/>
+                    <a:p>
+                      <a:endParaRPr lang="en-US" dirty="0"/>
+                    </a:p>
+                  </a:txBody>
+                  <a:tcPr/>
+                </a:tc>
+                <a:tc>
+                  <a:txBody>
+                    <a:bodyPr/>
+                    <a:lstStyle/>
+                    <a:p>
+                      <a:endParaRPr lang="en-US" dirty="0"/>
+                    </a:p>
+                  </a:txBody>
+                  <a:tcPr/>
+                </a:tc>
+                <a:tc>
+                  <a:txBody>
+                    <a:bodyPr/>
+                    <a:lstStyle/>
+                    <a:p>
+                      <a:endParaRPr lang="en-US" dirty="0"/>
+                    </a:p>
+                  </a:txBody>
+                  <a:tcPr/>
+                </a:tc>
+                <a:tc>
+                  <a:txBody>
+                    <a:bodyPr/>
+                    <a:lstStyle/>
+                    <a:p>
+                      <a:endParaRPr lang="en-US" dirty="0"/>
+                    </a:p>
+                  </a:txBody>
+                  <a:tcPr/>
+                </a:tc>
+              </a:tr>
+              <a:tr h="401241">
+                <a:tc>
+                  <a:txBody>
+                    <a:bodyPr/>
+                    <a:lstStyle/>
+                    <a:p>
+                      <a:endParaRPr lang="en-US"/>
+                    </a:p>
+                  </a:txBody>
+                  <a:tcPr/>
+                </a:tc>
+                <a:tc>
+                  <a:txBody>
+                    <a:bodyPr/>
+                    <a:lstStyle/>
+                    <a:p>
+                      <a:endParaRPr lang="en-US"/>
+                    </a:p>
+                  </a:txBody>
+                  <a:tcPr/>
+                </a:tc>
+                <a:tc>
+                  <a:txBody>
+                    <a:bodyPr/>
+                    <a:lstStyle/>
+                    <a:p>
+                      <a:endParaRPr lang="en-US"/>
+                    </a:p>
+                  </a:txBody>
+                  <a:tcPr/>
+                </a:tc>
+                <a:tc>
+                  <a:txBody>
+                    <a:bodyPr/>
+                    <a:lstStyle/>
+                    <a:p>
+                      <a:endParaRPr lang="en-US"/>
+                    </a:p>
+                  </a:txBody>
+                  <a:tcPr/>
+                </a:tc>
+                <a:tc>
+                  <a:txBody>
+                    <a:bodyPr/>
+                    <a:lstStyle/>
+                    <a:p>
+                      <a:endParaRPr lang="en-US"/>
+                    </a:p>
+                  </a:txBody>
+                  <a:tcPr/>
+                </a:tc>
+                <a:tc>
+                  <a:txBody>
+                    <a:bodyPr/>
+                    <a:lstStyle/>
+                    <a:p>
+                      <a:endParaRPr lang="en-US"/>
+                    </a:p>
+                  </a:txBody>
+                  <a:tcPr/>
+                </a:tc>
+                <a:tc>
+                  <a:txBody>
+                    <a:bodyPr/>
+                    <a:lstStyle/>
+                    <a:p>
+                      <a:endParaRPr lang="en-US" dirty="0"/>
+                    </a:p>
+                  </a:txBody>
+                  <a:tcPr/>
+                </a:tc>
+                <a:tc>
+                  <a:txBody>
+                    <a:bodyPr/>
+                    <a:lstStyle/>
+                    <a:p>
+                      <a:endParaRPr lang="en-US"/>
+                    </a:p>
+                  </a:txBody>
+                  <a:tcPr/>
+                </a:tc>
+                <a:tc>
+                  <a:txBody>
+                    <a:bodyPr/>
+                    <a:lstStyle/>
+                    <a:p>
+                      <a:endParaRPr lang="en-US"/>
+                    </a:p>
+                  </a:txBody>
+                  <a:tcPr/>
+                </a:tc>
+                <a:tc>
+                  <a:txBody>
+                    <a:bodyPr/>
+                    <a:lstStyle/>
+                    <a:p>
+                      <a:endParaRPr lang="en-US" dirty="0"/>
+                    </a:p>
+                  </a:txBody>
+                  <a:tcPr/>
+                </a:tc>
+                <a:tc>
+                  <a:txBody>
+                    <a:bodyPr/>
+                    <a:lstStyle/>
+                    <a:p>
+                      <a:endParaRPr lang="en-US" dirty="0"/>
+                    </a:p>
+                  </a:txBody>
+                  <a:tcPr/>
+                </a:tc>
+                <a:tc>
+                  <a:txBody>
+                    <a:bodyPr/>
+                    <a:lstStyle/>
+                    <a:p>
+                      <a:endParaRPr lang="en-US" dirty="0"/>
+                    </a:p>
+                  </a:txBody>
+                  <a:tcPr/>
+                </a:tc>
+              </a:tr>
+              <a:tr h="401241">
+                <a:tc>
+                  <a:txBody>
+                    <a:bodyPr/>
+                    <a:lstStyle/>
+                    <a:p>
+                      <a:endParaRPr lang="en-US"/>
+                    </a:p>
+                  </a:txBody>
+                  <a:tcPr/>
+                </a:tc>
+                <a:tc>
+                  <a:txBody>
+                    <a:bodyPr/>
+                    <a:lstStyle/>
+                    <a:p>
+                      <a:endParaRPr lang="en-US"/>
+                    </a:p>
+                  </a:txBody>
+                  <a:tcPr/>
+                </a:tc>
+                <a:tc>
+                  <a:txBody>
+                    <a:bodyPr/>
+                    <a:lstStyle/>
+                    <a:p>
+                      <a:endParaRPr lang="en-US"/>
+                    </a:p>
+                  </a:txBody>
+                  <a:tcPr/>
+                </a:tc>
+                <a:tc>
+                  <a:txBody>
+                    <a:bodyPr/>
+                    <a:lstStyle/>
+                    <a:p>
+                      <a:endParaRPr lang="en-US"/>
+                    </a:p>
+                  </a:txBody>
+                  <a:tcPr/>
+                </a:tc>
+                <a:tc>
+                  <a:txBody>
+                    <a:bodyPr/>
+                    <a:lstStyle/>
+                    <a:p>
+                      <a:endParaRPr lang="en-US"/>
+                    </a:p>
+                  </a:txBody>
+                  <a:tcPr/>
+                </a:tc>
+                <a:tc>
+                  <a:txBody>
+                    <a:bodyPr/>
+                    <a:lstStyle/>
+                    <a:p>
+                      <a:endParaRPr lang="en-US"/>
+                    </a:p>
+                  </a:txBody>
+                  <a:tcPr/>
+                </a:tc>
+                <a:tc>
+                  <a:txBody>
+                    <a:bodyPr/>
+                    <a:lstStyle/>
+                    <a:p>
+                      <a:endParaRPr lang="en-US" dirty="0"/>
+                    </a:p>
+                  </a:txBody>
+                  <a:tcPr/>
+                </a:tc>
+                <a:tc>
+                  <a:txBody>
+                    <a:bodyPr/>
+                    <a:lstStyle/>
+                    <a:p>
+                      <a:endParaRPr lang="en-US"/>
+                    </a:p>
+                  </a:txBody>
+                  <a:tcPr/>
+                </a:tc>
+                <a:tc>
+                  <a:txBody>
+                    <a:bodyPr/>
+                    <a:lstStyle/>
+                    <a:p>
+                      <a:endParaRPr lang="en-US"/>
+                    </a:p>
+                  </a:txBody>
+                  <a:tcPr/>
+                </a:tc>
+                <a:tc>
+                  <a:txBody>
+                    <a:bodyPr/>
+                    <a:lstStyle/>
+                    <a:p>
+                      <a:endParaRPr lang="en-US" dirty="0"/>
+                    </a:p>
+                  </a:txBody>
+                  <a:tcPr/>
+                </a:tc>
+                <a:tc>
+                  <a:txBody>
+                    <a:bodyPr/>
+                    <a:lstStyle/>
+                    <a:p>
+                      <a:endParaRPr lang="en-US" dirty="0"/>
+                    </a:p>
+                  </a:txBody>
+                  <a:tcPr/>
+                </a:tc>
+                <a:tc>
+                  <a:txBody>
+                    <a:bodyPr/>
+                    <a:lstStyle/>
+                    <a:p>
+                      <a:endParaRPr lang="en-US" dirty="0"/>
+                    </a:p>
+                  </a:txBody>
+                  <a:tcPr/>
+                </a:tc>
+              </a:tr>
+              <a:tr h="401241">
+                <a:tc>
+                  <a:txBody>
+                    <a:bodyPr/>
+                    <a:lstStyle/>
+                    <a:p>
+                      <a:endParaRPr lang="en-US" dirty="0"/>
+                    </a:p>
+                  </a:txBody>
+                  <a:tcPr/>
+                </a:tc>
+                <a:tc>
+                  <a:txBody>
+                    <a:bodyPr/>
+                    <a:lstStyle/>
+                    <a:p>
+                      <a:endParaRPr lang="en-US" dirty="0"/>
+                    </a:p>
+                  </a:txBody>
+                  <a:tcPr/>
+                </a:tc>
+                <a:tc>
+                  <a:txBody>
+                    <a:bodyPr/>
+                    <a:lstStyle/>
+                    <a:p>
+                      <a:endParaRPr lang="en-US" dirty="0"/>
+                    </a:p>
+                  </a:txBody>
+                  <a:tcPr/>
+                </a:tc>
+                <a:tc>
+                  <a:txBody>
+                    <a:bodyPr/>
+                    <a:lstStyle/>
+                    <a:p>
+                      <a:endParaRPr lang="en-US" dirty="0"/>
+                    </a:p>
+                  </a:txBody>
+                  <a:tcPr/>
+                </a:tc>
+                <a:tc>
+                  <a:txBody>
+                    <a:bodyPr/>
+                    <a:lstStyle/>
+                    <a:p>
+                      <a:endParaRPr lang="en-US" dirty="0"/>
+                    </a:p>
+                  </a:txBody>
+                  <a:tcPr/>
+                </a:tc>
+                <a:tc>
+                  <a:txBody>
+                    <a:bodyPr/>
+                    <a:lstStyle/>
+                    <a:p>
+                      <a:endParaRPr lang="en-US" dirty="0"/>
+                    </a:p>
+                  </a:txBody>
+                  <a:tcPr/>
+                </a:tc>
+                <a:tc>
+                  <a:txBody>
+                    <a:bodyPr/>
+                    <a:lstStyle/>
+                    <a:p>
+                      <a:endParaRPr lang="en-US" dirty="0"/>
+                    </a:p>
+                  </a:txBody>
+                  <a:tcPr/>
+                </a:tc>
+                <a:tc>
+                  <a:txBody>
+                    <a:bodyPr/>
+                    <a:lstStyle/>
+                    <a:p>
+                      <a:endParaRPr lang="en-US" dirty="0"/>
+                    </a:p>
+                  </a:txBody>
+                  <a:tcPr/>
+                </a:tc>
+                <a:tc>
+                  <a:txBody>
+                    <a:bodyPr/>
+                    <a:lstStyle/>
+                    <a:p>
+                      <a:endParaRPr lang="en-US" dirty="0"/>
+                    </a:p>
+                  </a:txBody>
+                  <a:tcPr/>
+                </a:tc>
+                <a:tc>
+                  <a:txBody>
+                    <a:bodyPr/>
+                    <a:lstStyle/>
+                    <a:p>
+                      <a:endParaRPr lang="en-US" dirty="0"/>
+                    </a:p>
+                  </a:txBody>
+                  <a:tcPr/>
+                </a:tc>
+                <a:tc>
+                  <a:txBody>
+                    <a:bodyPr/>
+                    <a:lstStyle/>
+                    <a:p>
+                      <a:endParaRPr lang="en-US" dirty="0"/>
+                    </a:p>
+                  </a:txBody>
+                  <a:tcPr/>
+                </a:tc>
+                <a:tc>
+                  <a:txBody>
+                    <a:bodyPr/>
+                    <a:lstStyle/>
+                    <a:p>
+                      <a:endParaRPr lang="en-US" dirty="0"/>
+                    </a:p>
+                  </a:txBody>
+                  <a:tcPr/>
+                </a:tc>
+              </a:tr>
+              <a:tr h="401241">
+                <a:tc>
+                  <a:txBody>
+                    <a:bodyPr/>
+                    <a:lstStyle/>
+                    <a:p>
+                      <a:endParaRPr lang="en-US" dirty="0"/>
+                    </a:p>
+                  </a:txBody>
+                  <a:tcPr/>
+                </a:tc>
+                <a:tc>
+                  <a:txBody>
+                    <a:bodyPr/>
+                    <a:lstStyle/>
+                    <a:p>
+                      <a:endParaRPr lang="en-US" dirty="0"/>
+                    </a:p>
+                  </a:txBody>
+                  <a:tcPr/>
+                </a:tc>
+                <a:tc>
+                  <a:txBody>
+                    <a:bodyPr/>
+                    <a:lstStyle/>
+                    <a:p>
+                      <a:endParaRPr lang="en-US" dirty="0"/>
+                    </a:p>
+                  </a:txBody>
+                  <a:tcPr/>
+                </a:tc>
+                <a:tc>
+                  <a:txBody>
+                    <a:bodyPr/>
+                    <a:lstStyle/>
+                    <a:p>
+                      <a:endParaRPr lang="en-US" dirty="0"/>
+                    </a:p>
+                  </a:txBody>
+                  <a:tcPr/>
+                </a:tc>
+                <a:tc>
+                  <a:txBody>
+                    <a:bodyPr/>
+                    <a:lstStyle/>
+                    <a:p>
+                      <a:endParaRPr lang="en-US" dirty="0"/>
+                    </a:p>
+                  </a:txBody>
+                  <a:tcPr/>
+                </a:tc>
+                <a:tc>
+                  <a:txBody>
+                    <a:bodyPr/>
+                    <a:lstStyle/>
+                    <a:p>
+                      <a:endParaRPr lang="en-US" dirty="0"/>
+                    </a:p>
+                  </a:txBody>
+                  <a:tcPr/>
+                </a:tc>
+                <a:tc>
+                  <a:txBody>
+                    <a:bodyPr/>
+                    <a:lstStyle/>
+                    <a:p>
+                      <a:endParaRPr lang="en-US" dirty="0"/>
+                    </a:p>
+                  </a:txBody>
+                  <a:tcPr/>
+                </a:tc>
+                <a:tc>
+                  <a:txBody>
+                    <a:bodyPr/>
+                    <a:lstStyle/>
+                    <a:p>
+                      <a:endParaRPr lang="en-US" dirty="0"/>
+                    </a:p>
+                  </a:txBody>
+                  <a:tcPr/>
+                </a:tc>
+                <a:tc>
+                  <a:txBody>
+                    <a:bodyPr/>
+                    <a:lstStyle/>
+                    <a:p>
+                      <a:endParaRPr lang="en-US" dirty="0"/>
+                    </a:p>
+                  </a:txBody>
+                  <a:tcPr/>
+                </a:tc>
+                <a:tc>
+                  <a:txBody>
+                    <a:bodyPr/>
+                    <a:lstStyle/>
+                    <a:p>
+                      <a:endParaRPr lang="en-US" dirty="0"/>
+                    </a:p>
+                  </a:txBody>
+                  <a:tcPr/>
+                </a:tc>
+                <a:tc>
+                  <a:txBody>
+                    <a:bodyPr/>
+                    <a:lstStyle/>
+                    <a:p>
+                      <a:endParaRPr lang="en-US" dirty="0"/>
+                    </a:p>
+                  </a:txBody>
+                  <a:tcPr/>
+                </a:tc>
+                <a:tc>
+                  <a:txBody>
+                    <a:bodyPr/>
+                    <a:lstStyle/>
+                    <a:p>
+                      <a:endParaRPr lang="en-US" dirty="0"/>
+                    </a:p>
+                  </a:txBody>
+                  <a:tcPr/>
+                </a:tc>
+              </a:tr>
+              <a:tr h="401241">
+                <a:tc>
+                  <a:txBody>
+                    <a:bodyPr/>
+                    <a:lstStyle/>
+                    <a:p>
+                      <a:endParaRPr lang="en-US" dirty="0"/>
+                    </a:p>
+                  </a:txBody>
+                  <a:tcPr/>
+                </a:tc>
+                <a:tc>
+                  <a:txBody>
+                    <a:bodyPr/>
+                    <a:lstStyle/>
+                    <a:p>
+                      <a:endParaRPr lang="en-US" dirty="0"/>
+                    </a:p>
+                  </a:txBody>
+                  <a:tcPr/>
+                </a:tc>
+                <a:tc>
+                  <a:txBody>
+                    <a:bodyPr/>
+                    <a:lstStyle/>
+                    <a:p>
+                      <a:endParaRPr lang="en-US" dirty="0"/>
+                    </a:p>
+                  </a:txBody>
+                  <a:tcPr/>
+                </a:tc>
+                <a:tc>
+                  <a:txBody>
+                    <a:bodyPr/>
+                    <a:lstStyle/>
+                    <a:p>
+                      <a:endParaRPr lang="en-US" dirty="0"/>
+                    </a:p>
+                  </a:txBody>
+                  <a:tcPr/>
+                </a:tc>
+                <a:tc>
+                  <a:txBody>
+                    <a:bodyPr/>
+                    <a:lstStyle/>
+                    <a:p>
+                      <a:endParaRPr lang="en-US" dirty="0"/>
+                    </a:p>
+                  </a:txBody>
+                  <a:tcPr/>
+                </a:tc>
+                <a:tc>
+                  <a:txBody>
+                    <a:bodyPr/>
+                    <a:lstStyle/>
+                    <a:p>
+                      <a:endParaRPr lang="en-US" dirty="0"/>
+                    </a:p>
+                  </a:txBody>
+                  <a:tcPr/>
+                </a:tc>
+                <a:tc>
+                  <a:txBody>
+                    <a:bodyPr/>
+                    <a:lstStyle/>
+                    <a:p>
+                      <a:endParaRPr lang="en-US" dirty="0"/>
+                    </a:p>
+                  </a:txBody>
+                  <a:tcPr/>
+                </a:tc>
+                <a:tc>
+                  <a:txBody>
+                    <a:bodyPr/>
+                    <a:lstStyle/>
+                    <a:p>
+                      <a:endParaRPr lang="en-US" dirty="0"/>
+                    </a:p>
+                  </a:txBody>
+                  <a:tcPr/>
+                </a:tc>
+                <a:tc>
+                  <a:txBody>
+                    <a:bodyPr/>
+                    <a:lstStyle/>
+                    <a:p>
+                      <a:endParaRPr lang="en-US" dirty="0"/>
+                    </a:p>
+                  </a:txBody>
+                  <a:tcPr/>
+                </a:tc>
+                <a:tc>
+                  <a:txBody>
+                    <a:bodyPr/>
+                    <a:lstStyle/>
+                    <a:p>
+                      <a:endParaRPr lang="en-US" dirty="0"/>
+                    </a:p>
+                  </a:txBody>
+                  <a:tcPr/>
+                </a:tc>
+                <a:tc>
+                  <a:txBody>
+                    <a:bodyPr/>
+                    <a:lstStyle/>
+                    <a:p>
+                      <a:endParaRPr lang="en-US" dirty="0"/>
+                    </a:p>
+                  </a:txBody>
+                  <a:tcPr/>
+                </a:tc>
+                <a:tc>
+                  <a:txBody>
+                    <a:bodyPr/>
+                    <a:lstStyle/>
+                    <a:p>
+                      <a:endParaRPr lang="en-US" dirty="0"/>
+                    </a:p>
+                  </a:txBody>
+                  <a:tcPr/>
+                </a:tc>
+              </a:tr>
+              <a:tr h="401241">
+                <a:tc>
+                  <a:txBody>
+                    <a:bodyPr/>
+                    <a:lstStyle/>
+                    <a:p>
+                      <a:endParaRPr lang="en-US" dirty="0"/>
+                    </a:p>
+                  </a:txBody>
+                  <a:tcPr/>
+                </a:tc>
+                <a:tc>
+                  <a:txBody>
+                    <a:bodyPr/>
+                    <a:lstStyle/>
+                    <a:p>
+                      <a:endParaRPr lang="en-US" dirty="0"/>
+                    </a:p>
+                  </a:txBody>
+                  <a:tcPr/>
+                </a:tc>
+                <a:tc>
+                  <a:txBody>
+                    <a:bodyPr/>
+                    <a:lstStyle/>
+                    <a:p>
+                      <a:endParaRPr lang="en-US" dirty="0"/>
+                    </a:p>
+                  </a:txBody>
+                  <a:tcPr/>
+                </a:tc>
+                <a:tc>
+                  <a:txBody>
+                    <a:bodyPr/>
+                    <a:lstStyle/>
+                    <a:p>
+                      <a:endParaRPr lang="en-US" dirty="0"/>
+                    </a:p>
+                  </a:txBody>
+                  <a:tcPr/>
+                </a:tc>
+                <a:tc>
+                  <a:txBody>
+                    <a:bodyPr/>
+                    <a:lstStyle/>
+                    <a:p>
+                      <a:endParaRPr lang="en-US" dirty="0"/>
+                    </a:p>
+                  </a:txBody>
+                  <a:tcPr/>
+                </a:tc>
+                <a:tc>
+                  <a:txBody>
+                    <a:bodyPr/>
+                    <a:lstStyle/>
+                    <a:p>
+                      <a:endParaRPr lang="en-US" dirty="0"/>
+                    </a:p>
+                  </a:txBody>
+                  <a:tcPr/>
+                </a:tc>
+                <a:tc>
+                  <a:txBody>
+                    <a:bodyPr/>
+                    <a:lstStyle/>
+                    <a:p>
+                      <a:endParaRPr lang="en-US" dirty="0"/>
+                    </a:p>
+                  </a:txBody>
+                  <a:tcPr/>
+                </a:tc>
+                <a:tc>
+                  <a:txBody>
+                    <a:bodyPr/>
+                    <a:lstStyle/>
+                    <a:p>
+                      <a:endParaRPr lang="en-US" dirty="0"/>
+                    </a:p>
+                  </a:txBody>
+                  <a:tcPr/>
+                </a:tc>
+                <a:tc>
+                  <a:txBody>
+                    <a:bodyPr/>
+                    <a:lstStyle/>
+                    <a:p>
+                      <a:endParaRPr lang="en-US" dirty="0"/>
+                    </a:p>
+                  </a:txBody>
+                  <a:tcPr/>
+                </a:tc>
+                <a:tc>
+                  <a:txBody>
+                    <a:bodyPr/>
+                    <a:lstStyle/>
+                    <a:p>
+                      <a:endParaRPr lang="en-US" dirty="0"/>
+                    </a:p>
+                  </a:txBody>
+                  <a:tcPr/>
+                </a:tc>
+                <a:tc>
+                  <a:txBody>
+                    <a:bodyPr/>
+                    <a:lstStyle/>
+                    <a:p>
+                      <a:endParaRPr lang="en-US" dirty="0"/>
+                    </a:p>
+                  </a:txBody>
+                  <a:tcPr/>
+                </a:tc>
+                <a:tc>
+                  <a:txBody>
+                    <a:bodyPr/>
+                    <a:lstStyle/>
+                    <a:p>
+                      <a:endParaRPr lang="en-US" dirty="0"/>
+                    </a:p>
+                  </a:txBody>
+                  <a:tcPr/>
+                </a:tc>
+              </a:tr>
+            </a:tbl>
+          </a:graphicData>
+        </a:graphic>
+      </p:graphicFrame>
     </p:spTree>
     <p:extLst>
       <p:ext uri="{BB962C8B-B14F-4D97-AF65-F5344CB8AC3E}">
@@ -6509,6 +7529,59 @@
                       </p:childTnLst>
                     </p:cTn>
                   </p:par>
+                  <p:par>
+                    <p:cTn id="11" fill="hold">
+                      <p:stCondLst>
+                        <p:cond delay="indefinite"/>
+                      </p:stCondLst>
+                      <p:childTnLst>
+                        <p:par>
+                          <p:cTn id="12" fill="hold">
+                            <p:stCondLst>
+                              <p:cond delay="0"/>
+                            </p:stCondLst>
+                            <p:childTnLst>
+                              <p:par>
+                                <p:cTn id="13" presetID="10" presetClass="entr" presetSubtype="0" fill="hold" nodeType="clickEffect">
+                                  <p:stCondLst>
+                                    <p:cond delay="0"/>
+                                  </p:stCondLst>
+                                  <p:childTnLst>
+                                    <p:set>
+                                      <p:cBhvr>
+                                        <p:cTn id="14" dur="1" fill="hold">
+                                          <p:stCondLst>
+                                            <p:cond delay="0"/>
+                                          </p:stCondLst>
+                                        </p:cTn>
+                                        <p:tgtEl>
+                                          <p:spTgt spid="6"/>
+                                        </p:tgtEl>
+                                        <p:attrNameLst>
+                                          <p:attrName>style.visibility</p:attrName>
+                                        </p:attrNameLst>
+                                      </p:cBhvr>
+                                      <p:to>
+                                        <p:strVal val="visible"/>
+                                      </p:to>
+                                    </p:set>
+                                    <p:animEffect transition="in" filter="fade">
+                                      <p:cBhvr>
+                                        <p:cTn id="15" dur="500"/>
+                                        <p:tgtEl>
+                                          <p:spTgt spid="6"/>
+                                        </p:tgtEl>
+                                      </p:cBhvr>
+                                    </p:animEffect>
+                                  </p:childTnLst>
+                                </p:cTn>
+                              </p:par>
+                            </p:childTnLst>
+                          </p:cTn>
+                        </p:par>
+                      </p:childTnLst>
+                    </p:cTn>
+                  </p:par>
                 </p:childTnLst>
               </p:cTn>
               <p:prevCondLst>
@@ -7842,7 +8915,7 @@
           <a:p>
             <a:r>
               <a:rPr lang="en-US" dirty="0" smtClean="0"/>
-              <a:t>TODO:::: ADD RESOURCES</a:t>
+              <a:t>Bootstrap Resources</a:t>
             </a:r>
             <a:endParaRPr lang="en-US" dirty="0"/>
           </a:p>
@@ -7863,7 +8936,22 @@
           <a:bodyPr/>
           <a:lstStyle/>
           <a:p>
-            <a:endParaRPr lang="en-US"/>
+            <a:r>
+              <a:rPr lang="en-US" dirty="0" smtClean="0">
+                <a:hlinkClick r:id="rId2"/>
+              </a:rPr>
+              <a:t>www.getbootstrap.com</a:t>
+            </a:r>
+            <a:endParaRPr lang="en-US" dirty="0" smtClean="0"/>
+          </a:p>
+          <a:p>
+            <a:r>
+              <a:rPr lang="en-US" dirty="0" smtClean="0">
+                <a:hlinkClick r:id="rId3"/>
+              </a:rPr>
+              <a:t>www.bootswatch.com</a:t>
+            </a:r>
+            <a:endParaRPr lang="en-US" dirty="0" smtClean="0"/>
           </a:p>
         </p:txBody>
       </p:sp>
@@ -7904,24 +8992,403 @@
           <a:chExt cx="0" cy="0"/>
         </a:xfrm>
       </p:grpSpPr>
+      <p:sp>
+        <p:nvSpPr>
+          <p:cNvPr id="2" name="Title 1"/>
+          <p:cNvSpPr>
+            <a:spLocks noGrp="1"/>
+          </p:cNvSpPr>
+          <p:nvPr>
+            <p:ph type="title"/>
+          </p:nvPr>
+        </p:nvSpPr>
+        <p:spPr/>
+        <p:txBody>
+          <a:bodyPr/>
+          <a:lstStyle/>
+          <a:p>
+            <a:r>
+              <a:rPr lang="en-US" dirty="0" smtClean="0"/>
+              <a:t>What did we learn today?</a:t>
+            </a:r>
+            <a:endParaRPr lang="en-US" dirty="0"/>
+          </a:p>
+        </p:txBody>
+      </p:sp>
+      <p:sp>
+        <p:nvSpPr>
+          <p:cNvPr id="3" name="Content Placeholder 2"/>
+          <p:cNvSpPr>
+            <a:spLocks noGrp="1"/>
+          </p:cNvSpPr>
+          <p:nvPr>
+            <p:ph sz="quarter" idx="10"/>
+          </p:nvPr>
+        </p:nvSpPr>
+        <p:spPr/>
+        <p:txBody>
+          <a:bodyPr/>
+          <a:lstStyle/>
+          <a:p>
+            <a:r>
+              <a:rPr lang="en-US" dirty="0" smtClean="0"/>
+              <a:t>Advanced layouts in </a:t>
+            </a:r>
+            <a:r>
+              <a:rPr lang="en-US" dirty="0" err="1" smtClean="0"/>
+              <a:t>Jinja</a:t>
+            </a:r>
+            <a:endParaRPr lang="en-US" dirty="0" smtClean="0"/>
+          </a:p>
+          <a:p>
+            <a:r>
+              <a:rPr lang="en-US" dirty="0" smtClean="0"/>
+              <a:t>How to use a relational database</a:t>
+            </a:r>
+          </a:p>
+          <a:p>
+            <a:r>
+              <a:rPr lang="en-US" dirty="0" smtClean="0"/>
+              <a:t>A bit of Bootstrap</a:t>
+            </a:r>
+          </a:p>
+          <a:p>
+            <a:r>
+              <a:rPr lang="en-US" dirty="0" smtClean="0"/>
+              <a:t>Object oriented design</a:t>
+            </a:r>
+            <a:endParaRPr lang="en-US" dirty="0"/>
+          </a:p>
+        </p:txBody>
+      </p:sp>
     </p:spTree>
     <p:extLst>
       <p:ext uri="{BB962C8B-B14F-4D97-AF65-F5344CB8AC3E}">
-        <p14:creationId xmlns:p14="http://schemas.microsoft.com/office/powerpoint/2010/main" val="13701683"/>
+        <p14:creationId xmlns:p14="http://schemas.microsoft.com/office/powerpoint/2010/main" val="4184332824"/>
       </p:ext>
     </p:extLst>
   </p:cSld>
   <p:clrMapOvr>
     <a:masterClrMapping/>
   </p:clrMapOvr>
-  <mc:AlternateContent xmlns:mc="http://schemas.openxmlformats.org/markup-compatibility/2006" xmlns:p14="http://schemas.microsoft.com/office/powerpoint/2010/main">
-    <mc:Choice Requires="p14">
+  <mc:AlternateContent xmlns:mc="http://schemas.openxmlformats.org/markup-compatibility/2006">
+    <mc:Choice xmlns:p14="http://schemas.microsoft.com/office/powerpoint/2010/main" Requires="p14">
       <p:transition spd="slow" p14:dur="2000"/>
     </mc:Choice>
-    <mc:Fallback xmlns="">
+    <mc:Fallback>
       <p:transition spd="slow"/>
     </mc:Fallback>
   </mc:AlternateContent>
+  <p:timing>
+    <p:tnLst>
+      <p:par>
+        <p:cTn id="1" dur="indefinite" restart="never" nodeType="tmRoot"/>
+      </p:par>
+    </p:tnLst>
+  </p:timing>
+</p:sld>
+</file>
+
+<file path=ppt/slides/slide27.xml><?xml version="1.0" encoding="utf-8"?>
+<p:sld xmlns:a="http://schemas.openxmlformats.org/drawingml/2006/main" xmlns:r="http://schemas.openxmlformats.org/officeDocument/2006/relationships" xmlns:p="http://schemas.openxmlformats.org/presentationml/2006/main">
+  <p:cSld>
+    <p:spTree>
+      <p:nvGrpSpPr>
+        <p:cNvPr id="1" name=""/>
+        <p:cNvGrpSpPr/>
+        <p:nvPr/>
+      </p:nvGrpSpPr>
+      <p:grpSpPr>
+        <a:xfrm>
+          <a:off x="0" y="0"/>
+          <a:ext cx="0" cy="0"/>
+          <a:chOff x="0" y="0"/>
+          <a:chExt cx="0" cy="0"/>
+        </a:xfrm>
+      </p:grpSpPr>
+      <p:sp>
+        <p:nvSpPr>
+          <p:cNvPr id="2" name="Title 1"/>
+          <p:cNvSpPr>
+            <a:spLocks noGrp="1"/>
+          </p:cNvSpPr>
+          <p:nvPr>
+            <p:ph type="title"/>
+          </p:nvPr>
+        </p:nvSpPr>
+        <p:spPr/>
+        <p:txBody>
+          <a:bodyPr/>
+          <a:lstStyle/>
+          <a:p>
+            <a:r>
+              <a:rPr lang="en-US" dirty="0" smtClean="0"/>
+              <a:t>Where do we go now?</a:t>
+            </a:r>
+            <a:endParaRPr lang="en-US" dirty="0"/>
+          </a:p>
+        </p:txBody>
+      </p:sp>
+      <p:sp>
+        <p:nvSpPr>
+          <p:cNvPr id="3" name="Content Placeholder 2"/>
+          <p:cNvSpPr>
+            <a:spLocks noGrp="1"/>
+          </p:cNvSpPr>
+          <p:nvPr>
+            <p:ph sz="quarter" idx="10"/>
+          </p:nvPr>
+        </p:nvSpPr>
+        <p:spPr/>
+        <p:txBody>
+          <a:bodyPr/>
+          <a:lstStyle/>
+          <a:p>
+            <a:r>
+              <a:rPr lang="en-US" dirty="0" smtClean="0"/>
+              <a:t>For your growth</a:t>
+            </a:r>
+          </a:p>
+          <a:p>
+            <a:pPr lvl="1"/>
+            <a:r>
+              <a:rPr lang="en-US" dirty="0" smtClean="0"/>
+              <a:t>What interested you the most?</a:t>
+            </a:r>
+          </a:p>
+          <a:p>
+            <a:r>
+              <a:rPr lang="en-US" dirty="0" smtClean="0"/>
+              <a:t>For a deeper understanding</a:t>
+            </a:r>
+          </a:p>
+          <a:p>
+            <a:pPr lvl="1"/>
+            <a:r>
+              <a:rPr lang="en-US" dirty="0" smtClean="0"/>
+              <a:t>What can we do with the app?</a:t>
+            </a:r>
+            <a:endParaRPr lang="en-US" dirty="0"/>
+          </a:p>
+        </p:txBody>
+      </p:sp>
+    </p:spTree>
+    <p:extLst>
+      <p:ext uri="{BB962C8B-B14F-4D97-AF65-F5344CB8AC3E}">
+        <p14:creationId xmlns:p14="http://schemas.microsoft.com/office/powerpoint/2010/main" val="999847358"/>
+      </p:ext>
+    </p:extLst>
+  </p:cSld>
+  <p:clrMapOvr>
+    <a:masterClrMapping/>
+  </p:clrMapOvr>
+  <p:timing>
+    <p:tnLst>
+      <p:par>
+        <p:cTn id="1" dur="indefinite" restart="never" nodeType="tmRoot"/>
+      </p:par>
+    </p:tnLst>
+  </p:timing>
+</p:sld>
+</file>
+
+<file path=ppt/slides/slide28.xml><?xml version="1.0" encoding="utf-8"?>
+<p:sld xmlns:a="http://schemas.openxmlformats.org/drawingml/2006/main" xmlns:r="http://schemas.openxmlformats.org/officeDocument/2006/relationships" xmlns:p="http://schemas.openxmlformats.org/presentationml/2006/main">
+  <p:cSld>
+    <p:spTree>
+      <p:nvGrpSpPr>
+        <p:cNvPr id="1" name=""/>
+        <p:cNvGrpSpPr/>
+        <p:nvPr/>
+      </p:nvGrpSpPr>
+      <p:grpSpPr>
+        <a:xfrm>
+          <a:off x="0" y="0"/>
+          <a:ext cx="0" cy="0"/>
+          <a:chOff x="0" y="0"/>
+          <a:chExt cx="0" cy="0"/>
+        </a:xfrm>
+      </p:grpSpPr>
+      <p:sp>
+        <p:nvSpPr>
+          <p:cNvPr id="2" name="Title 1"/>
+          <p:cNvSpPr>
+            <a:spLocks noGrp="1"/>
+          </p:cNvSpPr>
+          <p:nvPr>
+            <p:ph type="title"/>
+          </p:nvPr>
+        </p:nvSpPr>
+        <p:spPr/>
+        <p:txBody>
+          <a:bodyPr/>
+          <a:lstStyle/>
+          <a:p>
+            <a:r>
+              <a:rPr lang="en-US" dirty="0" smtClean="0"/>
+              <a:t>Data </a:t>
+            </a:r>
+            <a:r>
+              <a:rPr lang="en-US" dirty="0" smtClean="0"/>
+              <a:t>design MVAs</a:t>
+            </a:r>
+            <a:endParaRPr lang="en-US" dirty="0"/>
+          </a:p>
+        </p:txBody>
+      </p:sp>
+      <p:sp>
+        <p:nvSpPr>
+          <p:cNvPr id="3" name="Content Placeholder 2"/>
+          <p:cNvSpPr>
+            <a:spLocks noGrp="1"/>
+          </p:cNvSpPr>
+          <p:nvPr>
+            <p:ph sz="quarter" idx="10"/>
+          </p:nvPr>
+        </p:nvSpPr>
+        <p:spPr/>
+        <p:txBody>
+          <a:bodyPr/>
+          <a:lstStyle/>
+          <a:p>
+            <a:r>
+              <a:rPr lang="en-US" dirty="0" err="1" smtClean="0">
+                <a:hlinkClick r:id="rId2"/>
+              </a:rPr>
+              <a:t>Redis</a:t>
+            </a:r>
+            <a:endParaRPr lang="en-US" dirty="0" smtClean="0"/>
+          </a:p>
+          <a:p>
+            <a:r>
+              <a:rPr lang="en-US" dirty="0" smtClean="0">
+                <a:hlinkClick r:id="rId3"/>
+              </a:rPr>
+              <a:t>SQL </a:t>
+            </a:r>
+            <a:r>
+              <a:rPr lang="en-US" dirty="0" smtClean="0">
+                <a:hlinkClick r:id="rId3"/>
+              </a:rPr>
+              <a:t>Server</a:t>
+            </a:r>
+            <a:endParaRPr lang="en-US" dirty="0" smtClean="0"/>
+          </a:p>
+          <a:p>
+            <a:r>
+              <a:rPr lang="en-US" dirty="0" err="1" smtClean="0">
+                <a:hlinkClick r:id="rId4"/>
+              </a:rPr>
+              <a:t>MongoDB</a:t>
+            </a:r>
+            <a:endParaRPr lang="en-US" dirty="0"/>
+          </a:p>
+        </p:txBody>
+      </p:sp>
+    </p:spTree>
+    <p:extLst>
+      <p:ext uri="{BB962C8B-B14F-4D97-AF65-F5344CB8AC3E}">
+        <p14:creationId xmlns:p14="http://schemas.microsoft.com/office/powerpoint/2010/main" val="820923960"/>
+      </p:ext>
+    </p:extLst>
+  </p:cSld>
+  <p:clrMapOvr>
+    <a:masterClrMapping/>
+  </p:clrMapOvr>
+  <p:timing>
+    <p:tnLst>
+      <p:par>
+        <p:cTn id="1" dur="indefinite" restart="never" nodeType="tmRoot"/>
+      </p:par>
+    </p:tnLst>
+  </p:timing>
+</p:sld>
+</file>
+
+<file path=ppt/slides/slide29.xml><?xml version="1.0" encoding="utf-8"?>
+<p:sld xmlns:a="http://schemas.openxmlformats.org/drawingml/2006/main" xmlns:r="http://schemas.openxmlformats.org/officeDocument/2006/relationships" xmlns:p="http://schemas.openxmlformats.org/presentationml/2006/main">
+  <p:cSld>
+    <p:spTree>
+      <p:nvGrpSpPr>
+        <p:cNvPr id="1" name=""/>
+        <p:cNvGrpSpPr/>
+        <p:nvPr/>
+      </p:nvGrpSpPr>
+      <p:grpSpPr>
+        <a:xfrm>
+          <a:off x="0" y="0"/>
+          <a:ext cx="0" cy="0"/>
+          <a:chOff x="0" y="0"/>
+          <a:chExt cx="0" cy="0"/>
+        </a:xfrm>
+      </p:grpSpPr>
+      <p:sp>
+        <p:nvSpPr>
+          <p:cNvPr id="2" name="Title 1"/>
+          <p:cNvSpPr>
+            <a:spLocks noGrp="1"/>
+          </p:cNvSpPr>
+          <p:nvPr>
+            <p:ph type="title"/>
+          </p:nvPr>
+        </p:nvSpPr>
+        <p:spPr/>
+        <p:txBody>
+          <a:bodyPr/>
+          <a:lstStyle/>
+          <a:p>
+            <a:r>
+              <a:rPr lang="en-US" dirty="0" smtClean="0"/>
+              <a:t>Front end design</a:t>
+            </a:r>
+            <a:endParaRPr lang="en-US" dirty="0"/>
+          </a:p>
+        </p:txBody>
+      </p:sp>
+      <p:sp>
+        <p:nvSpPr>
+          <p:cNvPr id="3" name="Content Placeholder 2"/>
+          <p:cNvSpPr>
+            <a:spLocks noGrp="1"/>
+          </p:cNvSpPr>
+          <p:nvPr>
+            <p:ph sz="quarter" idx="10"/>
+          </p:nvPr>
+        </p:nvSpPr>
+        <p:spPr/>
+        <p:txBody>
+          <a:bodyPr/>
+          <a:lstStyle/>
+          <a:p>
+            <a:r>
+              <a:rPr lang="en-US" dirty="0" smtClean="0">
+                <a:hlinkClick r:id="rId2"/>
+              </a:rPr>
+              <a:t>Bootstrap</a:t>
+            </a:r>
+            <a:endParaRPr lang="en-US" dirty="0" smtClean="0"/>
+          </a:p>
+          <a:p>
+            <a:r>
+              <a:rPr lang="en-US" dirty="0" smtClean="0">
+                <a:hlinkClick r:id="rId3"/>
+              </a:rPr>
+              <a:t>CSS</a:t>
+            </a:r>
+            <a:endParaRPr lang="en-US" dirty="0"/>
+          </a:p>
+        </p:txBody>
+      </p:sp>
+    </p:spTree>
+    <p:extLst>
+      <p:ext uri="{BB962C8B-B14F-4D97-AF65-F5344CB8AC3E}">
+        <p14:creationId xmlns:p14="http://schemas.microsoft.com/office/powerpoint/2010/main" val="1898846620"/>
+      </p:ext>
+    </p:extLst>
+  </p:cSld>
+  <p:clrMapOvr>
+    <a:masterClrMapping/>
+  </p:clrMapOvr>
   <p:timing>
     <p:tnLst>
       <p:par>
@@ -7969,15 +9436,7 @@
             <a:pPr lvl="0" fontAlgn="ctr"/>
             <a:r>
               <a:rPr lang="en-US" dirty="0" smtClean="0"/>
-              <a:t>CSS </a:t>
-            </a:r>
-            <a:r>
-              <a:rPr lang="en-US" dirty="0" smtClean="0"/>
-              <a:t>can </a:t>
-            </a:r>
-            <a:r>
-              <a:rPr lang="en-US" dirty="0" smtClean="0"/>
-              <a:t>be tricky</a:t>
+              <a:t>CSS can be tricky</a:t>
             </a:r>
             <a:endParaRPr lang="en-US" dirty="0"/>
           </a:p>
@@ -8044,6 +9503,145 @@
   <p:clrMapOvr>
     <a:masterClrMapping/>
   </p:clrMapOvr>
+  <p:timing>
+    <p:tnLst>
+      <p:par>
+        <p:cTn id="1" dur="indefinite" restart="never" nodeType="tmRoot"/>
+      </p:par>
+    </p:tnLst>
+  </p:timing>
+</p:sld>
+</file>
+
+<file path=ppt/slides/slide30.xml><?xml version="1.0" encoding="utf-8"?>
+<p:sld xmlns:a="http://schemas.openxmlformats.org/drawingml/2006/main" xmlns:r="http://schemas.openxmlformats.org/officeDocument/2006/relationships" xmlns:p="http://schemas.openxmlformats.org/presentationml/2006/main">
+  <p:cSld>
+    <p:spTree>
+      <p:nvGrpSpPr>
+        <p:cNvPr id="1" name=""/>
+        <p:cNvGrpSpPr/>
+        <p:nvPr/>
+      </p:nvGrpSpPr>
+      <p:grpSpPr>
+        <a:xfrm>
+          <a:off x="0" y="0"/>
+          <a:ext cx="0" cy="0"/>
+          <a:chOff x="0" y="0"/>
+          <a:chExt cx="0" cy="0"/>
+        </a:xfrm>
+      </p:grpSpPr>
+      <p:sp>
+        <p:nvSpPr>
+          <p:cNvPr id="2" name="Title 1"/>
+          <p:cNvSpPr>
+            <a:spLocks noGrp="1"/>
+          </p:cNvSpPr>
+          <p:nvPr>
+            <p:ph type="title"/>
+          </p:nvPr>
+        </p:nvSpPr>
+        <p:spPr/>
+        <p:txBody>
+          <a:bodyPr/>
+          <a:lstStyle/>
+          <a:p>
+            <a:r>
+              <a:rPr lang="en-US" dirty="0" smtClean="0"/>
+              <a:t>Back end design</a:t>
+            </a:r>
+            <a:endParaRPr lang="en-US" dirty="0"/>
+          </a:p>
+        </p:txBody>
+      </p:sp>
+      <p:sp>
+        <p:nvSpPr>
+          <p:cNvPr id="3" name="Content Placeholder 2"/>
+          <p:cNvSpPr>
+            <a:spLocks noGrp="1"/>
+          </p:cNvSpPr>
+          <p:nvPr>
+            <p:ph sz="quarter" idx="10"/>
+          </p:nvPr>
+        </p:nvSpPr>
+        <p:spPr/>
+        <p:txBody>
+          <a:bodyPr/>
+          <a:lstStyle/>
+          <a:p>
+            <a:r>
+              <a:rPr lang="en-US" dirty="0" smtClean="0">
+                <a:hlinkClick r:id="rId2"/>
+              </a:rPr>
+              <a:t>C# fundamentals for absolute beginners</a:t>
+            </a:r>
+            <a:endParaRPr lang="en-US" dirty="0" smtClean="0"/>
+          </a:p>
+          <a:p>
+            <a:r>
+              <a:rPr lang="en-US" dirty="0" smtClean="0">
+                <a:hlinkClick r:id="rId3"/>
+              </a:rPr>
+              <a:t>Introduction to MVC</a:t>
+            </a:r>
+            <a:endParaRPr lang="en-US" dirty="0"/>
+          </a:p>
+        </p:txBody>
+      </p:sp>
+    </p:spTree>
+    <p:extLst>
+      <p:ext uri="{BB962C8B-B14F-4D97-AF65-F5344CB8AC3E}">
+        <p14:creationId xmlns:p14="http://schemas.microsoft.com/office/powerpoint/2010/main" val="2010521183"/>
+      </p:ext>
+    </p:extLst>
+  </p:cSld>
+  <p:clrMapOvr>
+    <a:masterClrMapping/>
+  </p:clrMapOvr>
+  <p:timing>
+    <p:tnLst>
+      <p:par>
+        <p:cTn id="1" dur="indefinite" restart="never" nodeType="tmRoot"/>
+      </p:par>
+    </p:tnLst>
+  </p:timing>
+</p:sld>
+</file>
+
+<file path=ppt/slides/slide31.xml><?xml version="1.0" encoding="utf-8"?>
+<p:sld xmlns:a="http://schemas.openxmlformats.org/drawingml/2006/main" xmlns:r="http://schemas.openxmlformats.org/officeDocument/2006/relationships" xmlns:p="http://schemas.openxmlformats.org/presentationml/2006/main">
+  <p:cSld>
+    <p:spTree>
+      <p:nvGrpSpPr>
+        <p:cNvPr id="1" name=""/>
+        <p:cNvGrpSpPr/>
+        <p:nvPr/>
+      </p:nvGrpSpPr>
+      <p:grpSpPr>
+        <a:xfrm>
+          <a:off x="0" y="0"/>
+          <a:ext cx="0" cy="0"/>
+          <a:chOff x="0" y="0"/>
+          <a:chExt cx="0" cy="0"/>
+        </a:xfrm>
+      </p:grpSpPr>
+    </p:spTree>
+    <p:extLst>
+      <p:ext uri="{BB962C8B-B14F-4D97-AF65-F5344CB8AC3E}">
+        <p14:creationId xmlns:p14="http://schemas.microsoft.com/office/powerpoint/2010/main" val="13701683"/>
+      </p:ext>
+    </p:extLst>
+  </p:cSld>
+  <p:clrMapOvr>
+    <a:masterClrMapping/>
+  </p:clrMapOvr>
+  <mc:AlternateContent xmlns:mc="http://schemas.openxmlformats.org/markup-compatibility/2006" xmlns:p14="http://schemas.microsoft.com/office/powerpoint/2010/main">
+    <mc:Choice Requires="p14">
+      <p:transition spd="slow" p14:dur="2000"/>
+    </mc:Choice>
+    <mc:Fallback xmlns="">
+      <p:transition spd="slow"/>
+    </mc:Fallback>
+  </mc:AlternateContent>
   <p:timing>
     <p:tnLst>
       <p:par>
@@ -9429,6 +11027,12 @@
 </file>
 
 <file path=customXml/item1.xml><?xml version="1.0" encoding="utf-8"?>
+<p:properties xmlns:p="http://schemas.microsoft.com/office/2006/metadata/properties" xmlns:xsi="http://www.w3.org/2001/XMLSchema-instance" xmlns:pc="http://schemas.microsoft.com/office/infopath/2007/PartnerControls">
+  <documentManagement/>
+</p:properties>
+</file>
+
+<file path=customXml/item2.xml><?xml version="1.0" encoding="utf-8"?>
 <ct:contentTypeSchema xmlns:ct="http://schemas.microsoft.com/office/2006/metadata/contentType" xmlns:ma="http://schemas.microsoft.com/office/2006/metadata/properties/metaAttributes" ct:_="" ma:_="" ma:contentTypeName="Document" ma:contentTypeID="0x010100A9B9146463917044969030790F8D7E1F" ma:contentTypeVersion="1" ma:contentTypeDescription="Create a new document." ma:contentTypeScope="" ma:versionID="88cb810aac341a62f87e1e4b3de4b413">
   <xsd:schema xmlns:xsd="http://www.w3.org/2001/XMLSchema" xmlns:xs="http://www.w3.org/2001/XMLSchema" xmlns:p="http://schemas.microsoft.com/office/2006/metadata/properties" xmlns:ns3="239b4775-11ac-4188-ac69-b5b775bb2155" targetNamespace="http://schemas.microsoft.com/office/2006/metadata/properties" ma:root="true" ma:fieldsID="a6232b10dbb3dfcaf3920bb7009c4722" ns3:_="">
     <xsd:import namespace="239b4775-11ac-4188-ac69-b5b775bb2155"/>
@@ -9568,12 +11172,6 @@
 </ct:contentTypeSchema>
 </file>
 
-<file path=customXml/item2.xml><?xml version="1.0" encoding="utf-8"?>
-<p:properties xmlns:p="http://schemas.microsoft.com/office/2006/metadata/properties" xmlns:xsi="http://www.w3.org/2001/XMLSchema-instance" xmlns:pc="http://schemas.microsoft.com/office/infopath/2007/PartnerControls">
-  <documentManagement/>
-</p:properties>
-</file>
-
 <file path=customXml/item3.xml><?xml version="1.0" encoding="utf-8"?>
 <?mso-contentType ?>
 <FormTemplates xmlns="http://schemas.microsoft.com/sharepoint/v3/contenttype/forms">
@@ -9584,6 +11182,22 @@
 </file>
 
 <file path=customXml/itemProps1.xml><?xml version="1.0" encoding="utf-8"?>
+<ds:datastoreItem xmlns:ds="http://schemas.openxmlformats.org/officeDocument/2006/customXml" ds:itemID="{7025FDD9-4C58-4084-9F89-0E6ADD6FFF55}">
+  <ds:schemaRefs>
+    <ds:schemaRef ds:uri="http://purl.org/dc/terms/"/>
+    <ds:schemaRef ds:uri="http://schemas.openxmlformats.org/package/2006/metadata/core-properties"/>
+    <ds:schemaRef ds:uri="http://purl.org/dc/dcmitype/"/>
+    <ds:schemaRef ds:uri="http://schemas.microsoft.com/office/infopath/2007/PartnerControls"/>
+    <ds:schemaRef ds:uri="http://purl.org/dc/elements/1.1/"/>
+    <ds:schemaRef ds:uri="http://schemas.microsoft.com/office/2006/documentManagement/types"/>
+    <ds:schemaRef ds:uri="239b4775-11ac-4188-ac69-b5b775bb2155"/>
+    <ds:schemaRef ds:uri="http://schemas.microsoft.com/office/2006/metadata/properties"/>
+    <ds:schemaRef ds:uri="http://www.w3.org/XML/1998/namespace"/>
+  </ds:schemaRefs>
+</ds:datastoreItem>
+</file>
+
+<file path=customXml/itemProps2.xml><?xml version="1.0" encoding="utf-8"?>
 <ds:datastoreItem xmlns:ds="http://schemas.openxmlformats.org/officeDocument/2006/customXml" ds:itemID="{0785A4C7-B234-45E3-92B4-D7E0909F829E}">
   <ds:schemaRefs>
     <ds:schemaRef ds:uri="http://schemas.microsoft.com/office/2006/metadata/contentType"/>
@@ -9601,22 +11215,6 @@
 </ds:datastoreItem>
 </file>
 
-<file path=customXml/itemProps2.xml><?xml version="1.0" encoding="utf-8"?>
-<ds:datastoreItem xmlns:ds="http://schemas.openxmlformats.org/officeDocument/2006/customXml" ds:itemID="{7025FDD9-4C58-4084-9F89-0E6ADD6FFF55}">
-  <ds:schemaRefs>
-    <ds:schemaRef ds:uri="http://purl.org/dc/terms/"/>
-    <ds:schemaRef ds:uri="http://schemas.openxmlformats.org/package/2006/metadata/core-properties"/>
-    <ds:schemaRef ds:uri="http://purl.org/dc/dcmitype/"/>
-    <ds:schemaRef ds:uri="http://schemas.microsoft.com/office/infopath/2007/PartnerControls"/>
-    <ds:schemaRef ds:uri="http://purl.org/dc/elements/1.1/"/>
-    <ds:schemaRef ds:uri="http://schemas.microsoft.com/office/2006/documentManagement/types"/>
-    <ds:schemaRef ds:uri="239b4775-11ac-4188-ac69-b5b775bb2155"/>
-    <ds:schemaRef ds:uri="http://schemas.microsoft.com/office/2006/metadata/properties"/>
-    <ds:schemaRef ds:uri="http://www.w3.org/XML/1998/namespace"/>
-  </ds:schemaRefs>
-</ds:datastoreItem>
-</file>
-
 <file path=customXml/itemProps3.xml><?xml version="1.0" encoding="utf-8"?>
 <ds:datastoreItem xmlns:ds="http://schemas.openxmlformats.org/officeDocument/2006/customXml" ds:itemID="{B0CA13EC-1D3C-4D6F-8D1C-E8A452CFC79A}">
   <ds:schemaRefs>

--- a/Slides/Module 6 - Introduction to Bootstrap.pptx
+++ b/Slides/Module 6 - Introduction to Bootstrap.pptx
@@ -233,7 +233,7 @@
           <a:p>
             <a:fld id="{312E7B4A-039C-48A2-9B2C-AF16AA3873D8}" type="datetimeFigureOut">
               <a:rPr lang="en-US" smtClean="0"/>
-              <a:t>3/1/2015</a:t>
+              <a:t>3/2/2015</a:t>
             </a:fld>
             <a:endParaRPr lang="en-US"/>
           </a:p>
@@ -398,7 +398,7 @@
           <a:p>
             <a:fld id="{DA005A0C-54D9-45AA-87D4-C551D08DFCE1}" type="datetimeFigureOut">
               <a:rPr lang="en-US" smtClean="0"/>
-              <a:t>3/1/2015</a:t>
+              <a:t>3/2/2015</a:t>
             </a:fld>
             <a:endParaRPr lang="en-US"/>
           </a:p>
@@ -3935,11 +3935,7 @@
             <a:pPr marL="914400" indent="-914400"/>
             <a:r>
               <a:rPr lang="en-US" dirty="0" smtClean="0"/>
-              <a:t>06 </a:t>
-            </a:r>
-            <a:r>
-              <a:rPr lang="en-US" dirty="0" smtClean="0"/>
-              <a:t>| Introduction to Bootstrap</a:t>
+              <a:t>06 | Introduction to Bootstrap</a:t>
             </a:r>
             <a:endParaRPr lang="en-US" dirty="0"/>
           </a:p>
@@ -6256,11 +6252,7 @@
           <a:p>
             <a:r>
               <a:rPr lang="en-US" dirty="0" smtClean="0"/>
-              <a:t>What about containers</a:t>
-            </a:r>
-            <a:r>
-              <a:rPr lang="en-US" dirty="0" smtClean="0"/>
-              <a:t>?</a:t>
+              <a:t>What about containers?</a:t>
             </a:r>
             <a:endParaRPr lang="en-US" dirty="0">
               <a:solidFill>
@@ -8953,6 +8945,15 @@
             </a:r>
             <a:endParaRPr lang="en-US" dirty="0" smtClean="0"/>
           </a:p>
+          <a:p>
+            <a:r>
+              <a:rPr lang="en-US" dirty="0" smtClean="0">
+                <a:hlinkClick r:id="rId4"/>
+              </a:rPr>
+              <a:t>Bootstrap snippets</a:t>
+            </a:r>
+            <a:endParaRPr lang="en-US" dirty="0" smtClean="0"/>
+          </a:p>
         </p:txBody>
       </p:sp>
     </p:spTree>
@@ -9071,11 +9072,11 @@
   <p:clrMapOvr>
     <a:masterClrMapping/>
   </p:clrMapOvr>
-  <mc:AlternateContent xmlns:mc="http://schemas.openxmlformats.org/markup-compatibility/2006">
-    <mc:Choice xmlns:p14="http://schemas.microsoft.com/office/powerpoint/2010/main" Requires="p14">
+  <mc:AlternateContent xmlns:mc="http://schemas.openxmlformats.org/markup-compatibility/2006" xmlns:p14="http://schemas.microsoft.com/office/powerpoint/2010/main">
+    <mc:Choice Requires="p14">
       <p:transition spd="slow" p14:dur="2000"/>
     </mc:Choice>
-    <mc:Fallback>
+    <mc:Fallback xmlns="">
       <p:transition spd="slow"/>
     </mc:Fallback>
   </mc:AlternateContent>
@@ -9226,11 +9227,7 @@
           <a:p>
             <a:r>
               <a:rPr lang="en-US" dirty="0" smtClean="0"/>
-              <a:t>Data </a:t>
-            </a:r>
-            <a:r>
-              <a:rPr lang="en-US" dirty="0" smtClean="0"/>
-              <a:t>design MVAs</a:t>
+              <a:t>Data design MVAs</a:t>
             </a:r>
             <a:endParaRPr lang="en-US" dirty="0"/>
           </a:p>
@@ -9264,13 +9261,7 @@
               <a:rPr lang="en-US" dirty="0" smtClean="0">
                 <a:hlinkClick r:id="rId3"/>
               </a:rPr>
-              <a:t>SQL </a:t>
-            </a:r>
-            <a:r>
-              <a:rPr lang="en-US" dirty="0" smtClean="0">
-                <a:hlinkClick r:id="rId3"/>
-              </a:rPr>
-              <a:t>Server</a:t>
+              <a:t>SQL Server</a:t>
             </a:r>
             <a:endParaRPr lang="en-US" dirty="0" smtClean="0"/>
           </a:p>
@@ -11027,9 +11018,12 @@
 </file>
 
 <file path=customXml/item1.xml><?xml version="1.0" encoding="utf-8"?>
-<p:properties xmlns:p="http://schemas.microsoft.com/office/2006/metadata/properties" xmlns:xsi="http://www.w3.org/2001/XMLSchema-instance" xmlns:pc="http://schemas.microsoft.com/office/infopath/2007/PartnerControls">
-  <documentManagement/>
-</p:properties>
+<?mso-contentType ?>
+<FormTemplates xmlns="http://schemas.microsoft.com/sharepoint/v3/contenttype/forms">
+  <Display>DocumentLibraryForm</Display>
+  <Edit>DocumentLibraryForm</Edit>
+  <New>DocumentLibraryForm</New>
+</FormTemplates>
 </file>
 
 <file path=customXml/item2.xml><?xml version="1.0" encoding="utf-8"?>
@@ -11173,26 +11167,15 @@
 </file>
 
 <file path=customXml/item3.xml><?xml version="1.0" encoding="utf-8"?>
-<?mso-contentType ?>
-<FormTemplates xmlns="http://schemas.microsoft.com/sharepoint/v3/contenttype/forms">
-  <Display>DocumentLibraryForm</Display>
-  <Edit>DocumentLibraryForm</Edit>
-  <New>DocumentLibraryForm</New>
-</FormTemplates>
+<p:properties xmlns:p="http://schemas.microsoft.com/office/2006/metadata/properties" xmlns:xsi="http://www.w3.org/2001/XMLSchema-instance" xmlns:pc="http://schemas.microsoft.com/office/infopath/2007/PartnerControls">
+  <documentManagement/>
+</p:properties>
 </file>
 
 <file path=customXml/itemProps1.xml><?xml version="1.0" encoding="utf-8"?>
-<ds:datastoreItem xmlns:ds="http://schemas.openxmlformats.org/officeDocument/2006/customXml" ds:itemID="{7025FDD9-4C58-4084-9F89-0E6ADD6FFF55}">
+<ds:datastoreItem xmlns:ds="http://schemas.openxmlformats.org/officeDocument/2006/customXml" ds:itemID="{B0CA13EC-1D3C-4D6F-8D1C-E8A452CFC79A}">
   <ds:schemaRefs>
-    <ds:schemaRef ds:uri="http://purl.org/dc/terms/"/>
-    <ds:schemaRef ds:uri="http://schemas.openxmlformats.org/package/2006/metadata/core-properties"/>
-    <ds:schemaRef ds:uri="http://purl.org/dc/dcmitype/"/>
-    <ds:schemaRef ds:uri="http://schemas.microsoft.com/office/infopath/2007/PartnerControls"/>
-    <ds:schemaRef ds:uri="http://purl.org/dc/elements/1.1/"/>
-    <ds:schemaRef ds:uri="http://schemas.microsoft.com/office/2006/documentManagement/types"/>
-    <ds:schemaRef ds:uri="239b4775-11ac-4188-ac69-b5b775bb2155"/>
-    <ds:schemaRef ds:uri="http://schemas.microsoft.com/office/2006/metadata/properties"/>
-    <ds:schemaRef ds:uri="http://www.w3.org/XML/1998/namespace"/>
+    <ds:schemaRef ds:uri="http://schemas.microsoft.com/sharepoint/v3/contenttype/forms"/>
   </ds:schemaRefs>
 </ds:datastoreItem>
 </file>
@@ -11216,9 +11199,17 @@
 </file>
 
 <file path=customXml/itemProps3.xml><?xml version="1.0" encoding="utf-8"?>
-<ds:datastoreItem xmlns:ds="http://schemas.openxmlformats.org/officeDocument/2006/customXml" ds:itemID="{B0CA13EC-1D3C-4D6F-8D1C-E8A452CFC79A}">
+<ds:datastoreItem xmlns:ds="http://schemas.openxmlformats.org/officeDocument/2006/customXml" ds:itemID="{7025FDD9-4C58-4084-9F89-0E6ADD6FFF55}">
   <ds:schemaRefs>
-    <ds:schemaRef ds:uri="http://schemas.microsoft.com/sharepoint/v3/contenttype/forms"/>
+    <ds:schemaRef ds:uri="http://purl.org/dc/terms/"/>
+    <ds:schemaRef ds:uri="http://schemas.openxmlformats.org/package/2006/metadata/core-properties"/>
+    <ds:schemaRef ds:uri="http://purl.org/dc/dcmitype/"/>
+    <ds:schemaRef ds:uri="http://schemas.microsoft.com/office/infopath/2007/PartnerControls"/>
+    <ds:schemaRef ds:uri="http://purl.org/dc/elements/1.1/"/>
+    <ds:schemaRef ds:uri="http://schemas.microsoft.com/office/2006/documentManagement/types"/>
+    <ds:schemaRef ds:uri="239b4775-11ac-4188-ac69-b5b775bb2155"/>
+    <ds:schemaRef ds:uri="http://schemas.microsoft.com/office/2006/metadata/properties"/>
+    <ds:schemaRef ds:uri="http://www.w3.org/XML/1998/namespace"/>
   </ds:schemaRefs>
 </ds:datastoreItem>
 </file>